--- a/презентация предзащита.pptx
+++ b/презентация предзащита.pptx
@@ -218,7 +218,7 @@
             <a:fld id="{E9A07E4D-F040-4222-94FC-4540ADB38BE1}" type="datetimeFigureOut">
               <a:rPr lang="ru-RU" smtClean="0"/>
               <a:pPr/>
-              <a:t>02.06.2025</a:t>
+              <a:t>25.06.2025</a:t>
             </a:fld>
             <a:endParaRPr lang="ru-RU"/>
           </a:p>
@@ -668,7 +668,7 @@
             <a:fld id="{0D23A304-215D-4057-BA61-5B90A9837A81}" type="datetime1">
               <a:rPr lang="ru-RU" smtClean="0"/>
               <a:pPr/>
-              <a:t>02.06.2025</a:t>
+              <a:t>25.06.2025</a:t>
             </a:fld>
             <a:endParaRPr lang="ru-RU"/>
           </a:p>
@@ -838,7 +838,7 @@
             <a:fld id="{0A7B0DF0-C84A-434D-AD37-3AB6516C5A0E}" type="datetime1">
               <a:rPr lang="ru-RU" smtClean="0"/>
               <a:pPr/>
-              <a:t>02.06.2025</a:t>
+              <a:t>25.06.2025</a:t>
             </a:fld>
             <a:endParaRPr lang="ru-RU"/>
           </a:p>
@@ -1018,7 +1018,7 @@
             <a:fld id="{C1E0DC26-6B76-4917-A430-95260EB7EF88}" type="datetime1">
               <a:rPr lang="ru-RU" smtClean="0"/>
               <a:pPr/>
-              <a:t>02.06.2025</a:t>
+              <a:t>25.06.2025</a:t>
             </a:fld>
             <a:endParaRPr lang="ru-RU"/>
           </a:p>
@@ -1188,7 +1188,7 @@
             <a:fld id="{D8D34043-11EC-4957-B91D-7D5A74966CF6}" type="datetime1">
               <a:rPr lang="ru-RU" smtClean="0"/>
               <a:pPr/>
-              <a:t>02.06.2025</a:t>
+              <a:t>25.06.2025</a:t>
             </a:fld>
             <a:endParaRPr lang="ru-RU"/>
           </a:p>
@@ -1435,7 +1435,7 @@
             <a:fld id="{030A3705-5835-4445-BCBB-C2CFB0A264E2}" type="datetime1">
               <a:rPr lang="ru-RU" smtClean="0"/>
               <a:pPr/>
-              <a:t>02.06.2025</a:t>
+              <a:t>25.06.2025</a:t>
             </a:fld>
             <a:endParaRPr lang="ru-RU"/>
           </a:p>
@@ -1722,7 +1722,7 @@
             <a:fld id="{6694FE92-6F81-4F63-BFB6-FD2EF6BC43F0}" type="datetime1">
               <a:rPr lang="ru-RU" smtClean="0"/>
               <a:pPr/>
-              <a:t>02.06.2025</a:t>
+              <a:t>25.06.2025</a:t>
             </a:fld>
             <a:endParaRPr lang="ru-RU"/>
           </a:p>
@@ -2143,7 +2143,7 @@
             <a:fld id="{DE204330-F450-45C4-987D-79E6684653F1}" type="datetime1">
               <a:rPr lang="ru-RU" smtClean="0"/>
               <a:pPr/>
-              <a:t>02.06.2025</a:t>
+              <a:t>25.06.2025</a:t>
             </a:fld>
             <a:endParaRPr lang="ru-RU"/>
           </a:p>
@@ -2262,7 +2262,7 @@
             <a:fld id="{32CA4710-D9F9-4903-A4F2-A3CEF778191D}" type="datetime1">
               <a:rPr lang="ru-RU" smtClean="0"/>
               <a:pPr/>
-              <a:t>02.06.2025</a:t>
+              <a:t>25.06.2025</a:t>
             </a:fld>
             <a:endParaRPr lang="ru-RU"/>
           </a:p>
@@ -2359,7 +2359,7 @@
             <a:fld id="{40854C3B-BB94-4C81-A9D5-CB1AB6831302}" type="datetime1">
               <a:rPr lang="ru-RU" smtClean="0"/>
               <a:pPr/>
-              <a:t>02.06.2025</a:t>
+              <a:t>25.06.2025</a:t>
             </a:fld>
             <a:endParaRPr lang="ru-RU"/>
           </a:p>
@@ -2636,7 +2636,7 @@
             <a:fld id="{79AAB947-ECC9-43A5-B591-198FC4A4418C}" type="datetime1">
               <a:rPr lang="ru-RU" smtClean="0"/>
               <a:pPr/>
-              <a:t>02.06.2025</a:t>
+              <a:t>25.06.2025</a:t>
             </a:fld>
             <a:endParaRPr lang="ru-RU"/>
           </a:p>
@@ -2890,7 +2890,7 @@
             <a:fld id="{DC0D85B6-D1D3-41B6-B07A-C887B5C54A1A}" type="datetime1">
               <a:rPr lang="ru-RU" smtClean="0"/>
               <a:pPr/>
-              <a:t>02.06.2025</a:t>
+              <a:t>25.06.2025</a:t>
             </a:fld>
             <a:endParaRPr lang="ru-RU"/>
           </a:p>
@@ -3103,7 +3103,7 @@
             <a:fld id="{C0DDD4EA-6CF1-4D67-8380-8E53192AB954}" type="datetime1">
               <a:rPr lang="ru-RU" smtClean="0"/>
               <a:pPr/>
-              <a:t>02.06.2025</a:t>
+              <a:t>25.06.2025</a:t>
             </a:fld>
             <a:endParaRPr lang="ru-RU"/>
           </a:p>
@@ -4628,10 +4628,10 @@
       </p:pic>
       <p:pic>
         <p:nvPicPr>
-          <p:cNvPr id="10" name="Рисунок 9">
+          <p:cNvPr id="6" name="Рисунок 5">
             <a:extLst>
               <a:ext uri="{FF2B5EF4-FFF2-40B4-BE49-F238E27FC236}">
-                <a16:creationId xmlns:a16="http://schemas.microsoft.com/office/drawing/2014/main" id="{595CE631-268B-35E7-44BD-211C7D3EFB5A}"/>
+                <a16:creationId xmlns:a16="http://schemas.microsoft.com/office/drawing/2014/main" id="{F10B0CEB-B583-31AD-5C29-CD05080346AF}"/>
               </a:ext>
             </a:extLst>
           </p:cNvPr>
@@ -4642,46 +4642,14 @@
         </p:nvPicPr>
         <p:blipFill>
           <a:blip r:embed="rId6"/>
-          <a:srcRect l="396"/>
           <a:stretch>
             <a:fillRect/>
           </a:stretch>
         </p:blipFill>
         <p:spPr>
           <a:xfrm>
-            <a:off x="0" y="3181829"/>
-            <a:ext cx="9167019" cy="685197"/>
-          </a:xfrm>
-          <a:prstGeom prst="rect">
-            <a:avLst/>
-          </a:prstGeom>
-        </p:spPr>
-      </p:pic>
-      <p:pic>
-        <p:nvPicPr>
-          <p:cNvPr id="12" name="Рисунок 11">
-            <a:extLst>
-              <a:ext uri="{FF2B5EF4-FFF2-40B4-BE49-F238E27FC236}">
-                <a16:creationId xmlns:a16="http://schemas.microsoft.com/office/drawing/2014/main" id="{BA0654DF-E7A0-B95D-3F58-5F36D39D5369}"/>
-              </a:ext>
-            </a:extLst>
-          </p:cNvPr>
-          <p:cNvPicPr>
-            <a:picLocks noChangeAspect="1"/>
-          </p:cNvPicPr>
-          <p:nvPr/>
-        </p:nvPicPr>
-        <p:blipFill>
-          <a:blip r:embed="rId7"/>
-          <a:srcRect l="2840" t="9337" r="1554" b="2847"/>
-          <a:stretch>
-            <a:fillRect/>
-          </a:stretch>
-        </p:blipFill>
-        <p:spPr>
-          <a:xfrm>
-            <a:off x="-38744" y="3287640"/>
-            <a:ext cx="5472609" cy="3597744"/>
+            <a:off x="0" y="3063432"/>
+            <a:ext cx="9144000" cy="731135"/>
           </a:xfrm>
           <a:prstGeom prst="rect">
             <a:avLst/>
